--- a/TomMac Consultation.pptx
+++ b/TomMac Consultation.pptx
@@ -14,6 +14,8 @@
     <p:sldId id="264" r:id="rId8"/>
     <p:sldId id="265" r:id="rId9"/>
     <p:sldId id="266" r:id="rId10"/>
+    <p:sldId id="267" r:id="rId11"/>
+    <p:sldId id="268" r:id="rId12"/>
   </p:sldIdLst>
   <p:sldSz cx="12192000" cy="6858000"/>
   <p:notesSz cx="6858000" cy="9144000"/>
@@ -112,6 +114,11 @@
       </a:defRPr>
     </a:lvl9pPr>
   </p:defaultTextStyle>
+  <p:extLst>
+    <p:ext uri="{EFAFB233-063F-42B5-8137-9DF3F51BA10A}">
+      <p15:sldGuideLst xmlns:p15="http://schemas.microsoft.com/office/powerpoint/2012/main"/>
+    </p:ext>
+  </p:extLst>
 </p:presentation>
 </file>
 
@@ -4749,6 +4756,1002 @@
 </p:sld>
 </file>
 
+<file path=ppt/slides/slide10.xml><?xml version="1.0" encoding="utf-8"?>
+<p:sld xmlns:a="http://schemas.openxmlformats.org/drawingml/2006/main" xmlns:r="http://schemas.openxmlformats.org/officeDocument/2006/relationships" xmlns:p="http://schemas.openxmlformats.org/presentationml/2006/main">
+  <p:cSld>
+    <p:spTree>
+      <p:nvGrpSpPr>
+        <p:cNvPr id="1" name=""/>
+        <p:cNvGrpSpPr/>
+        <p:nvPr/>
+      </p:nvGrpSpPr>
+      <p:grpSpPr>
+        <a:xfrm>
+          <a:off x="0" y="0"/>
+          <a:ext cx="0" cy="0"/>
+          <a:chOff x="0" y="0"/>
+          <a:chExt cx="0" cy="0"/>
+        </a:xfrm>
+      </p:grpSpPr>
+      <p:sp>
+        <p:nvSpPr>
+          <p:cNvPr id="2" name="Title 1">
+            <a:extLst>
+              <a:ext uri="{FF2B5EF4-FFF2-40B4-BE49-F238E27FC236}">
+                <a16:creationId xmlns:a16="http://schemas.microsoft.com/office/drawing/2014/main" id="{0D5900A7-6225-BBA2-18FA-40A2EF5537F1}"/>
+              </a:ext>
+            </a:extLst>
+          </p:cNvPr>
+          <p:cNvSpPr>
+            <a:spLocks noGrp="1"/>
+          </p:cNvSpPr>
+          <p:nvPr>
+            <p:ph type="title"/>
+          </p:nvPr>
+        </p:nvSpPr>
+        <p:spPr/>
+        <p:txBody>
+          <a:bodyPr/>
+          <a:lstStyle/>
+          <a:p>
+            <a:r>
+              <a:rPr lang="en-GB" dirty="0"/>
+              <a:t>Conclusions / Further Work</a:t>
+            </a:r>
+          </a:p>
+        </p:txBody>
+      </p:sp>
+      <p:sp>
+        <p:nvSpPr>
+          <p:cNvPr id="3" name="Content Placeholder 2">
+            <a:extLst>
+              <a:ext uri="{FF2B5EF4-FFF2-40B4-BE49-F238E27FC236}">
+                <a16:creationId xmlns:a16="http://schemas.microsoft.com/office/drawing/2014/main" id="{4BC064C1-2037-10B6-AF6D-F3545CDC8F18}"/>
+              </a:ext>
+            </a:extLst>
+          </p:cNvPr>
+          <p:cNvSpPr>
+            <a:spLocks noGrp="1"/>
+          </p:cNvSpPr>
+          <p:nvPr>
+            <p:ph idx="1"/>
+          </p:nvPr>
+        </p:nvSpPr>
+        <p:spPr/>
+        <p:txBody>
+          <a:bodyPr>
+            <a:normAutofit/>
+          </a:bodyPr>
+          <a:lstStyle/>
+          <a:p>
+            <a:endParaRPr lang="en-GB" sz="2900" dirty="0"/>
+          </a:p>
+        </p:txBody>
+      </p:sp>
+      <p:graphicFrame>
+        <p:nvGraphicFramePr>
+          <p:cNvPr id="4" name="Table 3">
+            <a:extLst>
+              <a:ext uri="{FF2B5EF4-FFF2-40B4-BE49-F238E27FC236}">
+                <a16:creationId xmlns:a16="http://schemas.microsoft.com/office/drawing/2014/main" id="{28E64A83-711A-4314-9777-8F0A1CE5A08A}"/>
+              </a:ext>
+            </a:extLst>
+          </p:cNvPr>
+          <p:cNvGraphicFramePr>
+            <a:graphicFrameLocks noGrp="1"/>
+          </p:cNvGraphicFramePr>
+          <p:nvPr>
+            <p:extLst>
+              <p:ext uri="{D42A27DB-BD31-4B8C-83A1-F6EECF244321}">
+                <p14:modId xmlns:p14="http://schemas.microsoft.com/office/powerpoint/2010/main" val="812920741"/>
+              </p:ext>
+            </p:extLst>
+          </p:nvPr>
+        </p:nvGraphicFramePr>
+        <p:xfrm>
+          <a:off x="2851220" y="2768367"/>
+          <a:ext cx="6661897" cy="3714729"/>
+        </p:xfrm>
+        <a:graphic>
+          <a:graphicData uri="http://schemas.openxmlformats.org/drawingml/2006/table">
+            <a:tbl>
+              <a:tblPr firstRow="1" firstCol="1" bandRow="1">
+                <a:tableStyleId>{5C22544A-7EE6-4342-B048-85BDC9FD1C3A}</a:tableStyleId>
+              </a:tblPr>
+              <a:tblGrid>
+                <a:gridCol w="1464220">
+                  <a:extLst>
+                    <a:ext uri="{9D8B030D-6E8A-4147-A177-3AD203B41FA5}">
+                      <a16:colId xmlns:a16="http://schemas.microsoft.com/office/drawing/2014/main" val="3914641538"/>
+                    </a:ext>
+                  </a:extLst>
+                </a:gridCol>
+                <a:gridCol w="581768">
+                  <a:extLst>
+                    <a:ext uri="{9D8B030D-6E8A-4147-A177-3AD203B41FA5}">
+                      <a16:colId xmlns:a16="http://schemas.microsoft.com/office/drawing/2014/main" val="4290453879"/>
+                    </a:ext>
+                  </a:extLst>
+                </a:gridCol>
+                <a:gridCol w="576084">
+                  <a:extLst>
+                    <a:ext uri="{9D8B030D-6E8A-4147-A177-3AD203B41FA5}">
+                      <a16:colId xmlns:a16="http://schemas.microsoft.com/office/drawing/2014/main" val="1786773575"/>
+                    </a:ext>
+                  </a:extLst>
+                </a:gridCol>
+                <a:gridCol w="4039825">
+                  <a:extLst>
+                    <a:ext uri="{9D8B030D-6E8A-4147-A177-3AD203B41FA5}">
+                      <a16:colId xmlns:a16="http://schemas.microsoft.com/office/drawing/2014/main" val="3432809797"/>
+                    </a:ext>
+                  </a:extLst>
+                </a:gridCol>
+              </a:tblGrid>
+              <a:tr h="1275687">
+                <a:tc>
+                  <a:txBody>
+                    <a:bodyPr/>
+                    <a:lstStyle/>
+                    <a:p>
+                      <a:pPr algn="l">
+                        <a:lnSpc>
+                          <a:spcPct val="107000"/>
+                        </a:lnSpc>
+                        <a:spcAft>
+                          <a:spcPts val="800"/>
+                        </a:spcAft>
+                      </a:pPr>
+                      <a:r>
+                        <a:rPr lang="en-GB" sz="1400">
+                          <a:effectLst/>
+                        </a:rPr>
+                        <a:t>Value of Increasing Supply (£/kg)</a:t>
+                      </a:r>
+                      <a:endParaRPr lang="en-GB" sz="1100">
+                        <a:effectLst/>
+                        <a:latin typeface="Calibri" panose="020F0502020204030204" pitchFamily="34" charset="0"/>
+                        <a:ea typeface="DengXian" panose="020B0503020204020204" pitchFamily="2" charset="-122"/>
+                        <a:cs typeface="Arial" panose="020B0604020202020204" pitchFamily="34" charset="0"/>
+                      </a:endParaRPr>
+                    </a:p>
+                  </a:txBody>
+                  <a:tcPr marL="68580" marR="68580" marT="0" marB="0" anchor="b"/>
+                </a:tc>
+                <a:tc>
+                  <a:txBody>
+                    <a:bodyPr/>
+                    <a:lstStyle/>
+                    <a:p>
+                      <a:pPr algn="l">
+                        <a:lnSpc>
+                          <a:spcPct val="107000"/>
+                        </a:lnSpc>
+                        <a:spcAft>
+                          <a:spcPts val="800"/>
+                        </a:spcAft>
+                      </a:pPr>
+                      <a:r>
+                        <a:rPr lang="en-GB" sz="1400">
+                          <a:effectLst/>
+                        </a:rPr>
+                        <a:t> </a:t>
+                      </a:r>
+                      <a:endParaRPr lang="en-GB" sz="1100">
+                        <a:effectLst/>
+                        <a:latin typeface="Calibri" panose="020F0502020204030204" pitchFamily="34" charset="0"/>
+                        <a:ea typeface="DengXian" panose="020B0503020204020204" pitchFamily="2" charset="-122"/>
+                        <a:cs typeface="Arial" panose="020B0604020202020204" pitchFamily="34" charset="0"/>
+                      </a:endParaRPr>
+                    </a:p>
+                  </a:txBody>
+                  <a:tcPr marL="68580" marR="68580" marT="0" marB="0" anchor="b"/>
+                </a:tc>
+                <a:tc>
+                  <a:txBody>
+                    <a:bodyPr/>
+                    <a:lstStyle/>
+                    <a:p>
+                      <a:pPr algn="l">
+                        <a:lnSpc>
+                          <a:spcPct val="107000"/>
+                        </a:lnSpc>
+                        <a:spcAft>
+                          <a:spcPts val="800"/>
+                        </a:spcAft>
+                      </a:pPr>
+                      <a:r>
+                        <a:rPr lang="en-GB" sz="1400">
+                          <a:effectLst/>
+                        </a:rPr>
+                        <a:t> </a:t>
+                      </a:r>
+                      <a:endParaRPr lang="en-GB" sz="1100">
+                        <a:effectLst/>
+                        <a:latin typeface="Calibri" panose="020F0502020204030204" pitchFamily="34" charset="0"/>
+                        <a:ea typeface="DengXian" panose="020B0503020204020204" pitchFamily="2" charset="-122"/>
+                        <a:cs typeface="Arial" panose="020B0604020202020204" pitchFamily="34" charset="0"/>
+                      </a:endParaRPr>
+                    </a:p>
+                  </a:txBody>
+                  <a:tcPr marL="68580" marR="68580" marT="0" marB="0" anchor="b"/>
+                </a:tc>
+                <a:tc>
+                  <a:txBody>
+                    <a:bodyPr/>
+                    <a:lstStyle/>
+                    <a:p>
+                      <a:pPr algn="l">
+                        <a:lnSpc>
+                          <a:spcPct val="107000"/>
+                        </a:lnSpc>
+                        <a:spcAft>
+                          <a:spcPts val="800"/>
+                        </a:spcAft>
+                      </a:pPr>
+                      <a:r>
+                        <a:rPr lang="en-GB" sz="1400" dirty="0">
+                          <a:effectLst/>
+                        </a:rPr>
+                        <a:t> </a:t>
+                      </a:r>
+                      <a:endParaRPr lang="en-GB" sz="1100" dirty="0">
+                        <a:effectLst/>
+                        <a:latin typeface="Calibri" panose="020F0502020204030204" pitchFamily="34" charset="0"/>
+                        <a:ea typeface="DengXian" panose="020B0503020204020204" pitchFamily="2" charset="-122"/>
+                        <a:cs typeface="Arial" panose="020B0604020202020204" pitchFamily="34" charset="0"/>
+                      </a:endParaRPr>
+                    </a:p>
+                  </a:txBody>
+                  <a:tcPr marL="68580" marR="68580" marT="0" marB="0" anchor="b"/>
+                </a:tc>
+                <a:extLst>
+                  <a:ext uri="{0D108BD9-81ED-4DB2-BD59-A6C34878D82A}">
+                    <a16:rowId xmlns:a16="http://schemas.microsoft.com/office/drawing/2014/main" val="4196579306"/>
+                  </a:ext>
+                </a:extLst>
+              </a:tr>
+              <a:tr h="821206">
+                <a:tc>
+                  <a:txBody>
+                    <a:bodyPr/>
+                    <a:lstStyle/>
+                    <a:p>
+                      <a:pPr algn="l">
+                        <a:lnSpc>
+                          <a:spcPct val="107000"/>
+                        </a:lnSpc>
+                        <a:spcAft>
+                          <a:spcPts val="800"/>
+                        </a:spcAft>
+                      </a:pPr>
+                      <a:r>
+                        <a:rPr lang="en-GB" sz="1400">
+                          <a:effectLst/>
+                        </a:rPr>
+                        <a:t>Quarter</a:t>
+                      </a:r>
+                      <a:endParaRPr lang="en-GB" sz="1100">
+                        <a:effectLst/>
+                        <a:latin typeface="Calibri" panose="020F0502020204030204" pitchFamily="34" charset="0"/>
+                        <a:ea typeface="DengXian" panose="020B0503020204020204" pitchFamily="2" charset="-122"/>
+                        <a:cs typeface="Arial" panose="020B0604020202020204" pitchFamily="34" charset="0"/>
+                      </a:endParaRPr>
+                    </a:p>
+                  </a:txBody>
+                  <a:tcPr marL="68580" marR="68580" marT="0" marB="0" anchor="b"/>
+                </a:tc>
+                <a:tc>
+                  <a:txBody>
+                    <a:bodyPr/>
+                    <a:lstStyle/>
+                    <a:p>
+                      <a:pPr algn="l">
+                        <a:lnSpc>
+                          <a:spcPct val="107000"/>
+                        </a:lnSpc>
+                        <a:spcAft>
+                          <a:spcPts val="800"/>
+                        </a:spcAft>
+                      </a:pPr>
+                      <a:r>
+                        <a:rPr lang="en-GB" sz="1400">
+                          <a:effectLst/>
+                        </a:rPr>
+                        <a:t> Beef</a:t>
+                      </a:r>
+                      <a:endParaRPr lang="en-GB" sz="1100">
+                        <a:effectLst/>
+                        <a:latin typeface="Calibri" panose="020F0502020204030204" pitchFamily="34" charset="0"/>
+                        <a:ea typeface="DengXian" panose="020B0503020204020204" pitchFamily="2" charset="-122"/>
+                        <a:cs typeface="Arial" panose="020B0604020202020204" pitchFamily="34" charset="0"/>
+                      </a:endParaRPr>
+                    </a:p>
+                  </a:txBody>
+                  <a:tcPr marL="68580" marR="68580" marT="0" marB="0" anchor="b"/>
+                </a:tc>
+                <a:tc>
+                  <a:txBody>
+                    <a:bodyPr/>
+                    <a:lstStyle/>
+                    <a:p>
+                      <a:pPr algn="l">
+                        <a:lnSpc>
+                          <a:spcPct val="107000"/>
+                        </a:lnSpc>
+                        <a:spcAft>
+                          <a:spcPts val="800"/>
+                        </a:spcAft>
+                      </a:pPr>
+                      <a:r>
+                        <a:rPr lang="en-GB" sz="1400">
+                          <a:effectLst/>
+                        </a:rPr>
+                        <a:t> Plum</a:t>
+                      </a:r>
+                      <a:endParaRPr lang="en-GB" sz="1100">
+                        <a:effectLst/>
+                        <a:latin typeface="Calibri" panose="020F0502020204030204" pitchFamily="34" charset="0"/>
+                        <a:ea typeface="DengXian" panose="020B0503020204020204" pitchFamily="2" charset="-122"/>
+                        <a:cs typeface="Arial" panose="020B0604020202020204" pitchFamily="34" charset="0"/>
+                      </a:endParaRPr>
+                    </a:p>
+                  </a:txBody>
+                  <a:tcPr marL="68580" marR="68580" marT="0" marB="0" anchor="b"/>
+                </a:tc>
+                <a:tc>
+                  <a:txBody>
+                    <a:bodyPr/>
+                    <a:lstStyle/>
+                    <a:p>
+                      <a:pPr algn="l">
+                        <a:lnSpc>
+                          <a:spcPct val="107000"/>
+                        </a:lnSpc>
+                        <a:spcAft>
+                          <a:spcPts val="800"/>
+                        </a:spcAft>
+                      </a:pPr>
+                      <a:r>
+                        <a:rPr lang="en-GB" sz="1400" dirty="0">
+                          <a:effectLst/>
+                        </a:rPr>
+                        <a:t> Moneymaker</a:t>
+                      </a:r>
+                      <a:endParaRPr lang="en-GB" sz="1100" dirty="0">
+                        <a:effectLst/>
+                        <a:latin typeface="Calibri" panose="020F0502020204030204" pitchFamily="34" charset="0"/>
+                        <a:ea typeface="DengXian" panose="020B0503020204020204" pitchFamily="2" charset="-122"/>
+                        <a:cs typeface="Arial" panose="020B0604020202020204" pitchFamily="34" charset="0"/>
+                      </a:endParaRPr>
+                    </a:p>
+                  </a:txBody>
+                  <a:tcPr marL="68580" marR="68580" marT="0" marB="0" anchor="b"/>
+                </a:tc>
+                <a:extLst>
+                  <a:ext uri="{0D108BD9-81ED-4DB2-BD59-A6C34878D82A}">
+                    <a16:rowId xmlns:a16="http://schemas.microsoft.com/office/drawing/2014/main" val="2716793044"/>
+                  </a:ext>
+                </a:extLst>
+              </a:tr>
+              <a:tr h="543375">
+                <a:tc>
+                  <a:txBody>
+                    <a:bodyPr/>
+                    <a:lstStyle/>
+                    <a:p>
+                      <a:pPr algn="l">
+                        <a:lnSpc>
+                          <a:spcPct val="107000"/>
+                        </a:lnSpc>
+                        <a:spcAft>
+                          <a:spcPts val="800"/>
+                        </a:spcAft>
+                      </a:pPr>
+                      <a:r>
+                        <a:rPr lang="en-GB" sz="1400">
+                          <a:effectLst/>
+                        </a:rPr>
+                        <a:t>Jan-Mar</a:t>
+                      </a:r>
+                      <a:endParaRPr lang="en-GB" sz="1100">
+                        <a:effectLst/>
+                        <a:latin typeface="Calibri" panose="020F0502020204030204" pitchFamily="34" charset="0"/>
+                        <a:ea typeface="DengXian" panose="020B0503020204020204" pitchFamily="2" charset="-122"/>
+                        <a:cs typeface="Arial" panose="020B0604020202020204" pitchFamily="34" charset="0"/>
+                      </a:endParaRPr>
+                    </a:p>
+                  </a:txBody>
+                  <a:tcPr marL="68580" marR="68580" marT="0" marB="0" anchor="b"/>
+                </a:tc>
+                <a:tc>
+                  <a:txBody>
+                    <a:bodyPr/>
+                    <a:lstStyle/>
+                    <a:p>
+                      <a:pPr algn="r">
+                        <a:lnSpc>
+                          <a:spcPct val="107000"/>
+                        </a:lnSpc>
+                        <a:spcAft>
+                          <a:spcPts val="800"/>
+                        </a:spcAft>
+                      </a:pPr>
+                      <a:r>
+                        <a:rPr lang="en-GB" sz="1400" dirty="0">
+                          <a:effectLst/>
+                        </a:rPr>
+                        <a:t>1.018</a:t>
+                      </a:r>
+                      <a:endParaRPr lang="en-GB" sz="1100" dirty="0">
+                        <a:effectLst/>
+                        <a:latin typeface="Calibri" panose="020F0502020204030204" pitchFamily="34" charset="0"/>
+                        <a:ea typeface="DengXian" panose="020B0503020204020204" pitchFamily="2" charset="-122"/>
+                        <a:cs typeface="Arial" panose="020B0604020202020204" pitchFamily="34" charset="0"/>
+                      </a:endParaRPr>
+                    </a:p>
+                  </a:txBody>
+                  <a:tcPr marL="68580" marR="68580" marT="0" marB="0" anchor="b"/>
+                </a:tc>
+                <a:tc>
+                  <a:txBody>
+                    <a:bodyPr/>
+                    <a:lstStyle/>
+                    <a:p>
+                      <a:pPr algn="r">
+                        <a:lnSpc>
+                          <a:spcPct val="107000"/>
+                        </a:lnSpc>
+                        <a:spcAft>
+                          <a:spcPts val="800"/>
+                        </a:spcAft>
+                      </a:pPr>
+                      <a:r>
+                        <a:rPr lang="en-GB" sz="1400">
+                          <a:effectLst/>
+                        </a:rPr>
+                        <a:t>0.08</a:t>
+                      </a:r>
+                      <a:endParaRPr lang="en-GB" sz="1100">
+                        <a:effectLst/>
+                        <a:latin typeface="Calibri" panose="020F0502020204030204" pitchFamily="34" charset="0"/>
+                        <a:ea typeface="DengXian" panose="020B0503020204020204" pitchFamily="2" charset="-122"/>
+                        <a:cs typeface="Arial" panose="020B0604020202020204" pitchFamily="34" charset="0"/>
+                      </a:endParaRPr>
+                    </a:p>
+                  </a:txBody>
+                  <a:tcPr marL="68580" marR="68580" marT="0" marB="0" anchor="b"/>
+                </a:tc>
+                <a:tc>
+                  <a:txBody>
+                    <a:bodyPr/>
+                    <a:lstStyle/>
+                    <a:p>
+                      <a:pPr algn="r">
+                        <a:lnSpc>
+                          <a:spcPct val="107000"/>
+                        </a:lnSpc>
+                        <a:spcAft>
+                          <a:spcPts val="800"/>
+                        </a:spcAft>
+                      </a:pPr>
+                      <a:r>
+                        <a:rPr lang="en-GB" sz="1400" dirty="0">
+                          <a:effectLst/>
+                        </a:rPr>
+                        <a:t>0.6525</a:t>
+                      </a:r>
+                      <a:endParaRPr lang="en-GB" sz="1100" dirty="0">
+                        <a:effectLst/>
+                        <a:latin typeface="Calibri" panose="020F0502020204030204" pitchFamily="34" charset="0"/>
+                        <a:ea typeface="DengXian" panose="020B0503020204020204" pitchFamily="2" charset="-122"/>
+                        <a:cs typeface="Arial" panose="020B0604020202020204" pitchFamily="34" charset="0"/>
+                      </a:endParaRPr>
+                    </a:p>
+                  </a:txBody>
+                  <a:tcPr marL="68580" marR="68580" marT="0" marB="0" anchor="b"/>
+                </a:tc>
+                <a:extLst>
+                  <a:ext uri="{0D108BD9-81ED-4DB2-BD59-A6C34878D82A}">
+                    <a16:rowId xmlns:a16="http://schemas.microsoft.com/office/drawing/2014/main" val="3339763969"/>
+                  </a:ext>
+                </a:extLst>
+              </a:tr>
+              <a:tr h="265543">
+                <a:tc>
+                  <a:txBody>
+                    <a:bodyPr/>
+                    <a:lstStyle/>
+                    <a:p>
+                      <a:pPr algn="l">
+                        <a:lnSpc>
+                          <a:spcPct val="107000"/>
+                        </a:lnSpc>
+                        <a:spcAft>
+                          <a:spcPts val="800"/>
+                        </a:spcAft>
+                      </a:pPr>
+                      <a:r>
+                        <a:rPr lang="en-GB" sz="1400">
+                          <a:effectLst/>
+                        </a:rPr>
+                        <a:t>Apr-Jun</a:t>
+                      </a:r>
+                      <a:endParaRPr lang="en-GB" sz="1100">
+                        <a:effectLst/>
+                        <a:latin typeface="Calibri" panose="020F0502020204030204" pitchFamily="34" charset="0"/>
+                        <a:ea typeface="DengXian" panose="020B0503020204020204" pitchFamily="2" charset="-122"/>
+                        <a:cs typeface="Arial" panose="020B0604020202020204" pitchFamily="34" charset="0"/>
+                      </a:endParaRPr>
+                    </a:p>
+                  </a:txBody>
+                  <a:tcPr marL="68580" marR="68580" marT="0" marB="0" anchor="b"/>
+                </a:tc>
+                <a:tc>
+                  <a:txBody>
+                    <a:bodyPr/>
+                    <a:lstStyle/>
+                    <a:p>
+                      <a:pPr algn="r">
+                        <a:lnSpc>
+                          <a:spcPct val="107000"/>
+                        </a:lnSpc>
+                        <a:spcAft>
+                          <a:spcPts val="800"/>
+                        </a:spcAft>
+                      </a:pPr>
+                      <a:r>
+                        <a:rPr lang="en-GB" sz="1400">
+                          <a:effectLst/>
+                        </a:rPr>
+                        <a:t>0</a:t>
+                      </a:r>
+                      <a:endParaRPr lang="en-GB" sz="1100">
+                        <a:effectLst/>
+                        <a:latin typeface="Calibri" panose="020F0502020204030204" pitchFamily="34" charset="0"/>
+                        <a:ea typeface="DengXian" panose="020B0503020204020204" pitchFamily="2" charset="-122"/>
+                        <a:cs typeface="Arial" panose="020B0604020202020204" pitchFamily="34" charset="0"/>
+                      </a:endParaRPr>
+                    </a:p>
+                  </a:txBody>
+                  <a:tcPr marL="68580" marR="68580" marT="0" marB="0" anchor="b"/>
+                </a:tc>
+                <a:tc>
+                  <a:txBody>
+                    <a:bodyPr/>
+                    <a:lstStyle/>
+                    <a:p>
+                      <a:pPr algn="r">
+                        <a:lnSpc>
+                          <a:spcPct val="107000"/>
+                        </a:lnSpc>
+                        <a:spcAft>
+                          <a:spcPts val="800"/>
+                        </a:spcAft>
+                      </a:pPr>
+                      <a:r>
+                        <a:rPr lang="en-GB" sz="1400">
+                          <a:effectLst/>
+                        </a:rPr>
+                        <a:t>0</a:t>
+                      </a:r>
+                      <a:endParaRPr lang="en-GB" sz="1100">
+                        <a:effectLst/>
+                        <a:latin typeface="Calibri" panose="020F0502020204030204" pitchFamily="34" charset="0"/>
+                        <a:ea typeface="DengXian" panose="020B0503020204020204" pitchFamily="2" charset="-122"/>
+                        <a:cs typeface="Arial" panose="020B0604020202020204" pitchFamily="34" charset="0"/>
+                      </a:endParaRPr>
+                    </a:p>
+                  </a:txBody>
+                  <a:tcPr marL="68580" marR="68580" marT="0" marB="0" anchor="b"/>
+                </a:tc>
+                <a:tc>
+                  <a:txBody>
+                    <a:bodyPr/>
+                    <a:lstStyle/>
+                    <a:p>
+                      <a:pPr algn="r">
+                        <a:lnSpc>
+                          <a:spcPct val="107000"/>
+                        </a:lnSpc>
+                        <a:spcAft>
+                          <a:spcPts val="800"/>
+                        </a:spcAft>
+                      </a:pPr>
+                      <a:r>
+                        <a:rPr lang="en-GB" sz="1400" dirty="0">
+                          <a:effectLst/>
+                        </a:rPr>
+                        <a:t>0.1556</a:t>
+                      </a:r>
+                      <a:endParaRPr lang="en-GB" sz="1100" dirty="0">
+                        <a:effectLst/>
+                        <a:latin typeface="Calibri" panose="020F0502020204030204" pitchFamily="34" charset="0"/>
+                        <a:ea typeface="DengXian" panose="020B0503020204020204" pitchFamily="2" charset="-122"/>
+                        <a:cs typeface="Arial" panose="020B0604020202020204" pitchFamily="34" charset="0"/>
+                      </a:endParaRPr>
+                    </a:p>
+                  </a:txBody>
+                  <a:tcPr marL="68580" marR="68580" marT="0" marB="0" anchor="b"/>
+                </a:tc>
+                <a:extLst>
+                  <a:ext uri="{0D108BD9-81ED-4DB2-BD59-A6C34878D82A}">
+                    <a16:rowId xmlns:a16="http://schemas.microsoft.com/office/drawing/2014/main" val="3853800199"/>
+                  </a:ext>
+                </a:extLst>
+              </a:tr>
+              <a:tr h="265543">
+                <a:tc>
+                  <a:txBody>
+                    <a:bodyPr/>
+                    <a:lstStyle/>
+                    <a:p>
+                      <a:pPr algn="l">
+                        <a:lnSpc>
+                          <a:spcPct val="107000"/>
+                        </a:lnSpc>
+                        <a:spcAft>
+                          <a:spcPts val="800"/>
+                        </a:spcAft>
+                      </a:pPr>
+                      <a:r>
+                        <a:rPr lang="en-GB" sz="1400">
+                          <a:effectLst/>
+                        </a:rPr>
+                        <a:t>Jul-Sep</a:t>
+                      </a:r>
+                      <a:endParaRPr lang="en-GB" sz="1100">
+                        <a:effectLst/>
+                        <a:latin typeface="Calibri" panose="020F0502020204030204" pitchFamily="34" charset="0"/>
+                        <a:ea typeface="DengXian" panose="020B0503020204020204" pitchFamily="2" charset="-122"/>
+                        <a:cs typeface="Arial" panose="020B0604020202020204" pitchFamily="34" charset="0"/>
+                      </a:endParaRPr>
+                    </a:p>
+                  </a:txBody>
+                  <a:tcPr marL="68580" marR="68580" marT="0" marB="0" anchor="b"/>
+                </a:tc>
+                <a:tc>
+                  <a:txBody>
+                    <a:bodyPr/>
+                    <a:lstStyle/>
+                    <a:p>
+                      <a:pPr algn="r">
+                        <a:lnSpc>
+                          <a:spcPct val="107000"/>
+                        </a:lnSpc>
+                        <a:spcAft>
+                          <a:spcPts val="800"/>
+                        </a:spcAft>
+                      </a:pPr>
+                      <a:r>
+                        <a:rPr lang="en-GB" sz="1400">
+                          <a:effectLst/>
+                        </a:rPr>
+                        <a:t>0</a:t>
+                      </a:r>
+                      <a:endParaRPr lang="en-GB" sz="1100">
+                        <a:effectLst/>
+                        <a:latin typeface="Calibri" panose="020F0502020204030204" pitchFamily="34" charset="0"/>
+                        <a:ea typeface="DengXian" panose="020B0503020204020204" pitchFamily="2" charset="-122"/>
+                        <a:cs typeface="Arial" panose="020B0604020202020204" pitchFamily="34" charset="0"/>
+                      </a:endParaRPr>
+                    </a:p>
+                  </a:txBody>
+                  <a:tcPr marL="68580" marR="68580" marT="0" marB="0" anchor="b"/>
+                </a:tc>
+                <a:tc>
+                  <a:txBody>
+                    <a:bodyPr/>
+                    <a:lstStyle/>
+                    <a:p>
+                      <a:pPr algn="r">
+                        <a:lnSpc>
+                          <a:spcPct val="107000"/>
+                        </a:lnSpc>
+                        <a:spcAft>
+                          <a:spcPts val="800"/>
+                        </a:spcAft>
+                      </a:pPr>
+                      <a:r>
+                        <a:rPr lang="en-GB" sz="1400">
+                          <a:effectLst/>
+                        </a:rPr>
+                        <a:t>0</a:t>
+                      </a:r>
+                      <a:endParaRPr lang="en-GB" sz="1100">
+                        <a:effectLst/>
+                        <a:latin typeface="Calibri" panose="020F0502020204030204" pitchFamily="34" charset="0"/>
+                        <a:ea typeface="DengXian" panose="020B0503020204020204" pitchFamily="2" charset="-122"/>
+                        <a:cs typeface="Arial" panose="020B0604020202020204" pitchFamily="34" charset="0"/>
+                      </a:endParaRPr>
+                    </a:p>
+                  </a:txBody>
+                  <a:tcPr marL="68580" marR="68580" marT="0" marB="0" anchor="b"/>
+                </a:tc>
+                <a:tc>
+                  <a:txBody>
+                    <a:bodyPr/>
+                    <a:lstStyle/>
+                    <a:p>
+                      <a:pPr algn="r">
+                        <a:lnSpc>
+                          <a:spcPct val="107000"/>
+                        </a:lnSpc>
+                        <a:spcAft>
+                          <a:spcPts val="800"/>
+                        </a:spcAft>
+                      </a:pPr>
+                      <a:r>
+                        <a:rPr lang="en-GB" sz="1400">
+                          <a:effectLst/>
+                        </a:rPr>
+                        <a:t>0.1556</a:t>
+                      </a:r>
+                      <a:endParaRPr lang="en-GB" sz="1100">
+                        <a:effectLst/>
+                        <a:latin typeface="Calibri" panose="020F0502020204030204" pitchFamily="34" charset="0"/>
+                        <a:ea typeface="DengXian" panose="020B0503020204020204" pitchFamily="2" charset="-122"/>
+                        <a:cs typeface="Arial" panose="020B0604020202020204" pitchFamily="34" charset="0"/>
+                      </a:endParaRPr>
+                    </a:p>
+                  </a:txBody>
+                  <a:tcPr marL="68580" marR="68580" marT="0" marB="0" anchor="b"/>
+                </a:tc>
+                <a:extLst>
+                  <a:ext uri="{0D108BD9-81ED-4DB2-BD59-A6C34878D82A}">
+                    <a16:rowId xmlns:a16="http://schemas.microsoft.com/office/drawing/2014/main" val="615304467"/>
+                  </a:ext>
+                </a:extLst>
+              </a:tr>
+              <a:tr h="543375">
+                <a:tc>
+                  <a:txBody>
+                    <a:bodyPr/>
+                    <a:lstStyle/>
+                    <a:p>
+                      <a:pPr algn="l">
+                        <a:lnSpc>
+                          <a:spcPct val="107000"/>
+                        </a:lnSpc>
+                        <a:spcAft>
+                          <a:spcPts val="800"/>
+                        </a:spcAft>
+                      </a:pPr>
+                      <a:r>
+                        <a:rPr lang="en-GB" sz="1400">
+                          <a:effectLst/>
+                        </a:rPr>
+                        <a:t>Oct-Dec</a:t>
+                      </a:r>
+                      <a:endParaRPr lang="en-GB" sz="1100">
+                        <a:effectLst/>
+                        <a:latin typeface="Calibri" panose="020F0502020204030204" pitchFamily="34" charset="0"/>
+                        <a:ea typeface="DengXian" panose="020B0503020204020204" pitchFamily="2" charset="-122"/>
+                        <a:cs typeface="Arial" panose="020B0604020202020204" pitchFamily="34" charset="0"/>
+                      </a:endParaRPr>
+                    </a:p>
+                  </a:txBody>
+                  <a:tcPr marL="68580" marR="68580" marT="0" marB="0" anchor="b"/>
+                </a:tc>
+                <a:tc>
+                  <a:txBody>
+                    <a:bodyPr/>
+                    <a:lstStyle/>
+                    <a:p>
+                      <a:pPr algn="r">
+                        <a:lnSpc>
+                          <a:spcPct val="107000"/>
+                        </a:lnSpc>
+                        <a:spcAft>
+                          <a:spcPts val="800"/>
+                        </a:spcAft>
+                      </a:pPr>
+                      <a:r>
+                        <a:rPr lang="en-GB" sz="1400">
+                          <a:effectLst/>
+                        </a:rPr>
+                        <a:t>1.028</a:t>
+                      </a:r>
+                      <a:endParaRPr lang="en-GB" sz="1100">
+                        <a:effectLst/>
+                        <a:latin typeface="Calibri" panose="020F0502020204030204" pitchFamily="34" charset="0"/>
+                        <a:ea typeface="DengXian" panose="020B0503020204020204" pitchFamily="2" charset="-122"/>
+                        <a:cs typeface="Arial" panose="020B0604020202020204" pitchFamily="34" charset="0"/>
+                      </a:endParaRPr>
+                    </a:p>
+                  </a:txBody>
+                  <a:tcPr marL="68580" marR="68580" marT="0" marB="0" anchor="b"/>
+                </a:tc>
+                <a:tc>
+                  <a:txBody>
+                    <a:bodyPr/>
+                    <a:lstStyle/>
+                    <a:p>
+                      <a:pPr algn="r">
+                        <a:lnSpc>
+                          <a:spcPct val="107000"/>
+                        </a:lnSpc>
+                        <a:spcAft>
+                          <a:spcPts val="800"/>
+                        </a:spcAft>
+                      </a:pPr>
+                      <a:r>
+                        <a:rPr lang="en-GB" sz="1400">
+                          <a:effectLst/>
+                        </a:rPr>
+                        <a:t>0</a:t>
+                      </a:r>
+                      <a:endParaRPr lang="en-GB" sz="1100">
+                        <a:effectLst/>
+                        <a:latin typeface="Calibri" panose="020F0502020204030204" pitchFamily="34" charset="0"/>
+                        <a:ea typeface="DengXian" panose="020B0503020204020204" pitchFamily="2" charset="-122"/>
+                        <a:cs typeface="Arial" panose="020B0604020202020204" pitchFamily="34" charset="0"/>
+                      </a:endParaRPr>
+                    </a:p>
+                  </a:txBody>
+                  <a:tcPr marL="68580" marR="68580" marT="0" marB="0" anchor="b"/>
+                </a:tc>
+                <a:tc>
+                  <a:txBody>
+                    <a:bodyPr/>
+                    <a:lstStyle/>
+                    <a:p>
+                      <a:pPr algn="r">
+                        <a:lnSpc>
+                          <a:spcPct val="107000"/>
+                        </a:lnSpc>
+                        <a:spcAft>
+                          <a:spcPts val="800"/>
+                        </a:spcAft>
+                      </a:pPr>
+                      <a:r>
+                        <a:rPr lang="en-GB" sz="1400" dirty="0">
+                          <a:effectLst/>
+                        </a:rPr>
+                        <a:t>0.6125</a:t>
+                      </a:r>
+                      <a:endParaRPr lang="en-GB" sz="1100" dirty="0">
+                        <a:effectLst/>
+                        <a:latin typeface="Calibri" panose="020F0502020204030204" pitchFamily="34" charset="0"/>
+                        <a:ea typeface="DengXian" panose="020B0503020204020204" pitchFamily="2" charset="-122"/>
+                        <a:cs typeface="Arial" panose="020B0604020202020204" pitchFamily="34" charset="0"/>
+                      </a:endParaRPr>
+                    </a:p>
+                  </a:txBody>
+                  <a:tcPr marL="68580" marR="68580" marT="0" marB="0" anchor="b"/>
+                </a:tc>
+                <a:extLst>
+                  <a:ext uri="{0D108BD9-81ED-4DB2-BD59-A6C34878D82A}">
+                    <a16:rowId xmlns:a16="http://schemas.microsoft.com/office/drawing/2014/main" val="1048881719"/>
+                  </a:ext>
+                </a:extLst>
+              </a:tr>
+            </a:tbl>
+          </a:graphicData>
+        </a:graphic>
+      </p:graphicFrame>
+    </p:spTree>
+    <p:extLst>
+      <p:ext uri="{BB962C8B-B14F-4D97-AF65-F5344CB8AC3E}">
+        <p14:creationId xmlns:p14="http://schemas.microsoft.com/office/powerpoint/2010/main" val="2744185661"/>
+      </p:ext>
+    </p:extLst>
+  </p:cSld>
+  <p:clrMapOvr>
+    <a:masterClrMapping/>
+  </p:clrMapOvr>
+</p:sld>
+</file>
+
+<file path=ppt/slides/slide11.xml><?xml version="1.0" encoding="utf-8"?>
+<p:sld xmlns:a="http://schemas.openxmlformats.org/drawingml/2006/main" xmlns:r="http://schemas.openxmlformats.org/officeDocument/2006/relationships" xmlns:p="http://schemas.openxmlformats.org/presentationml/2006/main">
+  <p:cSld>
+    <p:spTree>
+      <p:nvGrpSpPr>
+        <p:cNvPr id="1" name=""/>
+        <p:cNvGrpSpPr/>
+        <p:nvPr/>
+      </p:nvGrpSpPr>
+      <p:grpSpPr>
+        <a:xfrm>
+          <a:off x="0" y="0"/>
+          <a:ext cx="0" cy="0"/>
+          <a:chOff x="0" y="0"/>
+          <a:chExt cx="0" cy="0"/>
+        </a:xfrm>
+      </p:grpSpPr>
+      <p:sp>
+        <p:nvSpPr>
+          <p:cNvPr id="2" name="Title 1">
+            <a:extLst>
+              <a:ext uri="{FF2B5EF4-FFF2-40B4-BE49-F238E27FC236}">
+                <a16:creationId xmlns:a16="http://schemas.microsoft.com/office/drawing/2014/main" id="{21590CAE-B230-46F7-6241-C7A5EE2750E6}"/>
+              </a:ext>
+            </a:extLst>
+          </p:cNvPr>
+          <p:cNvSpPr>
+            <a:spLocks noGrp="1"/>
+          </p:cNvSpPr>
+          <p:nvPr>
+            <p:ph type="title"/>
+          </p:nvPr>
+        </p:nvSpPr>
+        <p:spPr/>
+        <p:txBody>
+          <a:bodyPr/>
+          <a:lstStyle/>
+          <a:p>
+            <a:r>
+              <a:rPr lang="en-GB" dirty="0"/>
+              <a:t>Conclusions / Further Work</a:t>
+            </a:r>
+          </a:p>
+        </p:txBody>
+      </p:sp>
+      <p:sp>
+        <p:nvSpPr>
+          <p:cNvPr id="3" name="Content Placeholder 2">
+            <a:extLst>
+              <a:ext uri="{FF2B5EF4-FFF2-40B4-BE49-F238E27FC236}">
+                <a16:creationId xmlns:a16="http://schemas.microsoft.com/office/drawing/2014/main" id="{986E2653-FB1D-7A18-7A51-113D252EADE2}"/>
+              </a:ext>
+            </a:extLst>
+          </p:cNvPr>
+          <p:cNvSpPr>
+            <a:spLocks noGrp="1"/>
+          </p:cNvSpPr>
+          <p:nvPr>
+            <p:ph idx="1"/>
+          </p:nvPr>
+        </p:nvSpPr>
+        <p:spPr>
+          <a:xfrm>
+            <a:off x="590026" y="2207362"/>
+            <a:ext cx="10994760" cy="4275736"/>
+          </a:xfrm>
+        </p:spPr>
+        <p:txBody>
+          <a:bodyPr/>
+          <a:lstStyle/>
+          <a:p>
+            <a:r>
+              <a:rPr lang="en-GB" sz="2900" dirty="0"/>
+              <a:t>It is worth buying beef tomatoes in Oct-Mar.</a:t>
+            </a:r>
+          </a:p>
+          <a:p>
+            <a:r>
+              <a:rPr lang="en-GB" sz="2900" dirty="0"/>
+              <a:t>We use up all tomatoes in Winter quarter.</a:t>
+            </a:r>
+          </a:p>
+          <a:p>
+            <a:r>
+              <a:rPr lang="en-GB" sz="2900" dirty="0"/>
+              <a:t>We would like to further investigate changing reduction factors. </a:t>
+            </a:r>
+          </a:p>
+          <a:p>
+            <a:endParaRPr lang="en-GB" sz="2900" dirty="0"/>
+          </a:p>
+          <a:p>
+            <a:endParaRPr lang="en-GB" dirty="0"/>
+          </a:p>
+        </p:txBody>
+      </p:sp>
+    </p:spTree>
+    <p:extLst>
+      <p:ext uri="{BB962C8B-B14F-4D97-AF65-F5344CB8AC3E}">
+        <p14:creationId xmlns:p14="http://schemas.microsoft.com/office/powerpoint/2010/main" val="989823069"/>
+      </p:ext>
+    </p:extLst>
+  </p:cSld>
+  <p:clrMapOvr>
+    <a:masterClrMapping/>
+  </p:clrMapOvr>
+</p:sld>
+</file>
+
 <file path=ppt/slides/slide2.xml><?xml version="1.0" encoding="utf-8"?>
 <p:sld xmlns:a="http://schemas.openxmlformats.org/drawingml/2006/main" xmlns:r="http://schemas.openxmlformats.org/officeDocument/2006/relationships" xmlns:p="http://schemas.openxmlformats.org/presentationml/2006/main">
   <p:cSld>
@@ -4813,7 +5816,7 @@
         <p:spPr/>
         <p:txBody>
           <a:bodyPr>
-            <a:normAutofit fontScale="77500" lnSpcReduction="20000"/>
+            <a:normAutofit fontScale="92500" lnSpcReduction="20000"/>
           </a:bodyPr>
           <a:lstStyle/>
           <a:p>
@@ -4839,19 +5842,19 @@
           <a:p>
             <a:r>
               <a:rPr lang="en-GB" dirty="0"/>
-              <a:t>These varieties are then made into 4 different product with associated cost.</a:t>
+              <a:t>These varieties are then made into 4 different products.</a:t>
             </a:r>
           </a:p>
           <a:p>
             <a:r>
               <a:rPr lang="en-GB" dirty="0"/>
-              <a:t>In each period we had to abide by certain constraints such as storage, contract and demand.</a:t>
+              <a:t>In each period we had to abide by certain constraints.</a:t>
             </a:r>
           </a:p>
           <a:p>
             <a:r>
               <a:rPr lang="en-GB" dirty="0"/>
-              <a:t>We find maximum profit and for each period detail specifics about purchasing, production and storage.</a:t>
+              <a:t>We find maximum profit detailing optimal decisions for each period.</a:t>
             </a:r>
           </a:p>
         </p:txBody>
@@ -7174,13 +8177,13 @@
           <a:p>
             <a:r>
               <a:rPr lang="en-GB" sz="2900" dirty="0"/>
-              <a:t>Increasing production capacity increases optimal profit to £55,125.19.</a:t>
+              <a:t>Increasing production capacity increases optimal profit to £55130.</a:t>
             </a:r>
           </a:p>
           <a:p>
             <a:r>
               <a:rPr lang="en-GB" sz="2900" dirty="0"/>
-              <a:t>No other combination or strategic decision results in an increase in profit.</a:t>
+              <a:t>No other combination of strategic decisions result in an increase in profit.</a:t>
             </a:r>
           </a:p>
           <a:p>
@@ -7194,7 +8197,7 @@
             </a:r>
             <a:r>
               <a:rPr lang="en-GB" sz="2900" dirty="0"/>
-              <a:t> therefore only increases production capacity.  </a:t>
+              <a:t> therefore only increases production capacity. </a:t>
             </a:r>
           </a:p>
         </p:txBody>
@@ -7252,7 +8255,7 @@
           <a:p>
             <a:r>
               <a:rPr lang="en-GB" dirty="0"/>
-              <a:t>Recommendations / Further Work</a:t>
+              <a:t>Conclusions / Further Work</a:t>
             </a:r>
           </a:p>
         </p:txBody>
@@ -7278,7 +8281,51 @@
           <a:bodyPr/>
           <a:lstStyle/>
           <a:p>
-            <a:endParaRPr lang="en-GB"/>
+            <a:r>
+              <a:rPr lang="en-GB" sz="2900" dirty="0"/>
+              <a:t>If </a:t>
+            </a:r>
+            <a:r>
+              <a:rPr lang="en-GB" sz="2900" dirty="0" err="1"/>
+              <a:t>TomMac’s</a:t>
+            </a:r>
+            <a:r>
+              <a:rPr lang="en-GB" sz="2900" dirty="0"/>
+              <a:t> predictions hold, the company is looking at doubling profit.</a:t>
+            </a:r>
+          </a:p>
+          <a:p>
+            <a:r>
+              <a:rPr lang="en-GB" sz="2900" dirty="0"/>
+              <a:t>Not taking any strategic decision results in £130 less profit.</a:t>
+            </a:r>
+          </a:p>
+          <a:p>
+            <a:r>
+              <a:rPr lang="en-GB" sz="2900" dirty="0"/>
+              <a:t>We investigated whether increasing supply of tomatoes is worthwhile and obtained the following results.</a:t>
+            </a:r>
+          </a:p>
+          <a:p>
+            <a:endParaRPr lang="en-GB" sz="2900" dirty="0"/>
+          </a:p>
+          <a:p>
+            <a:pPr marL="0" indent="0">
+              <a:buNone/>
+            </a:pPr>
+            <a:endParaRPr lang="en-GB" sz="2900" dirty="0"/>
+          </a:p>
+          <a:p>
+            <a:endParaRPr lang="en-GB" sz="2900" dirty="0"/>
+          </a:p>
+          <a:p>
+            <a:endParaRPr lang="en-GB" sz="2900" dirty="0"/>
+          </a:p>
+          <a:p>
+            <a:endParaRPr lang="en-GB" dirty="0"/>
+          </a:p>
+          <a:p>
+            <a:endParaRPr lang="en-GB" dirty="0"/>
           </a:p>
         </p:txBody>
       </p:sp>
